--- a/Presentation.pptx
+++ b/Presentation.pptx
@@ -3075,11 +3075,21 @@
               </a:spcAft>
             </a:pPr>
             <a:r>
-              <a:rPr lang="en-US" sz="3000">
+              <a:rPr lang="en-US" sz="3000" dirty="0">
                 <a:cs typeface="Calibri"/>
               </a:rPr>
-              <a:t>Joshua Madrigal</a:t>
-            </a:r>
+              <a:t>Artem</a:t>
+            </a:r>
+            <a:r>
+              <a:rPr lang="en-US" sz="3000" dirty="0">
+                <a:ea typeface="+mn-lt"/>
+                <a:cs typeface="+mn-lt"/>
+              </a:rPr>
+              <a:t> Skitenko</a:t>
+            </a:r>
+            <a:endParaRPr lang="en-US" sz="3000" dirty="0">
+              <a:cs typeface="Calibri"/>
+            </a:endParaRPr>
           </a:p>
           <a:p>
             <a:pPr algn="l">
@@ -3088,21 +3098,11 @@
               </a:spcAft>
             </a:pPr>
             <a:r>
-              <a:rPr lang="en-US" sz="3000">
+              <a:rPr lang="en-US" sz="3000" dirty="0">
                 <a:cs typeface="Calibri"/>
               </a:rPr>
-              <a:t>Artem</a:t>
-            </a:r>
-            <a:r>
-              <a:rPr lang="en-US" sz="3000">
-                <a:ea typeface="+mn-lt"/>
-                <a:cs typeface="+mn-lt"/>
-              </a:rPr>
-              <a:t> Skitenko</a:t>
-            </a:r>
-            <a:endParaRPr lang="en-US" sz="3000">
-              <a:cs typeface="Calibri"/>
-            </a:endParaRPr>
+              <a:t>Joshua Madrigal</a:t>
+            </a:r>
           </a:p>
           <a:p>
             <a:pPr algn="l">
@@ -3110,7 +3110,7 @@
                 <a:spcPts val="600"/>
               </a:spcAft>
             </a:pPr>
-            <a:endParaRPr lang="en-US" sz="3000">
+            <a:endParaRPr lang="en-US" sz="3000" dirty="0">
               <a:cs typeface="Calibri"/>
             </a:endParaRPr>
           </a:p>
@@ -3275,12 +3275,12 @@
           <a:lstStyle/>
           <a:p>
             <a:r>
-              <a:rPr lang="en-US" sz="2800">
+              <a:rPr lang="en-US" sz="2800" dirty="0">
                 <a:solidFill>
                   <a:srgbClr val="FFFFFF"/>
                 </a:solidFill>
               </a:rPr>
-              <a:t>Use Case: Check Proposals(Student)</a:t>
+              <a:t>Use Case: Add Proposal(Student)</a:t>
             </a:r>
           </a:p>
         </p:txBody>
